--- a/ppts/003_Assessment.pptx
+++ b/ppts/003_Assessment.pptx
@@ -268,7 +268,7 @@
       <p15:sldGuideLst xmlns:p15="http://schemas.microsoft.com/office/powerpoint/2012/main"/>
     </p:ext>
     <p:ext uri="http://customooxmlschemas.google.com/">
-      <go:slidesCustomData xmlns:go="http://customooxmlschemas.google.com/" xmlns:ahyp="http://schemas.microsoft.com/office/drawing/2018/hyperlinkcolor" xmlns:p15="http://schemas.microsoft.com/office/powerpoint/2012/main" xmlns:p14="http://schemas.microsoft.com/office/powerpoint/2010/main" xmlns:com="http://schemas.openxmlformats.org/drawingml/2006/compatibility" xmlns:pvml="urn:schemas-microsoft-com:office:powerpoint" xmlns:v="urn:schemas-microsoft-com:vml" xmlns:o="urn:schemas-microsoft-com:office:office" xmlns:dgm="http://schemas.openxmlformats.org/drawingml/2006/diagram" xmlns:c="http://schemas.openxmlformats.org/drawingml/2006/chart" xmlns:mv="urn:schemas-microsoft-com:mac:vml" xmlns:mc="http://schemas.openxmlformats.org/markup-compatibility/2006" xmlns="" r:id="rId26" roundtripDataSignature="AMtx7mjLEWgfBKoPhTt8uPcZVyr7Zu0/gQ=="/>
+      <go:slidesCustomData xmlns="" xmlns:mc="http://schemas.openxmlformats.org/markup-compatibility/2006" xmlns:mv="urn:schemas-microsoft-com:mac:vml" xmlns:c="http://schemas.openxmlformats.org/drawingml/2006/chart" xmlns:dgm="http://schemas.openxmlformats.org/drawingml/2006/diagram" xmlns:o="urn:schemas-microsoft-com:office:office" xmlns:v="urn:schemas-microsoft-com:vml" xmlns:pvml="urn:schemas-microsoft-com:office:powerpoint" xmlns:com="http://schemas.openxmlformats.org/drawingml/2006/compatibility" xmlns:p14="http://schemas.microsoft.com/office/powerpoint/2010/main" xmlns:p15="http://schemas.microsoft.com/office/powerpoint/2012/main" xmlns:ahyp="http://schemas.microsoft.com/office/drawing/2018/hyperlinkcolor" xmlns:go="http://customooxmlschemas.google.com/" r:id="rId26" roundtripDataSignature="AMtx7mjLEWgfBKoPhTt8uPcZVyr7Zu0/gQ=="/>
     </p:ext>
   </p:extLst>
 </p:presentation>
@@ -30584,7 +30584,7 @@
                 <a:latin typeface="Calibri" panose="020F0502020204030204" pitchFamily="34" charset="0"/>
                 <a:cs typeface="Calibri" panose="020F0502020204030204" pitchFamily="34" charset="0"/>
               </a:rPr>
-              <a:t>Overall Assessment Weighting  (25% of 60 credits)</a:t>
+              <a:t>Overall Assessment Weighting  (35% of 60 credits)</a:t>
             </a:r>
           </a:p>
           <a:p>
@@ -30597,7 +30597,7 @@
                 <a:latin typeface="Calibri" panose="020F0502020204030204" pitchFamily="34" charset="0"/>
                 <a:cs typeface="Calibri" panose="020F0502020204030204" pitchFamily="34" charset="0"/>
               </a:rPr>
-              <a:t>Part 1: Method Section 12.5% (Turnitin)</a:t>
+              <a:t>Part 1: Method Section (Turnitin)</a:t>
             </a:r>
           </a:p>
           <a:p>
@@ -30610,7 +30610,7 @@
                 <a:latin typeface="Calibri" panose="020F0502020204030204" pitchFamily="34" charset="0"/>
                 <a:cs typeface="Calibri" panose="020F0502020204030204" pitchFamily="34" charset="0"/>
               </a:rPr>
-              <a:t>Part 2: PsychoPy Experiment 12.5% (Assignment)</a:t>
+              <a:t>Part 2: PsychoPy Experiment (Assignment)</a:t>
             </a:r>
           </a:p>
         </p:txBody>
@@ -30629,8 +30629,8 @@
         </p:nvSpPr>
         <p:spPr>
           <a:xfrm>
-            <a:off x="3192864" y="4414001"/>
-            <a:ext cx="5806272" cy="769441"/>
+            <a:off x="2432304" y="4414001"/>
+            <a:ext cx="7653528" cy="769441"/>
           </a:xfrm>
           <a:prstGeom prst="rect">
             <a:avLst/>
@@ -30651,78 +30651,8 @@
                 <a:latin typeface="Calibri" panose="020F0502020204030204" pitchFamily="34" charset="0"/>
                 <a:cs typeface="Calibri" panose="020F0502020204030204" pitchFamily="34" charset="0"/>
               </a:rPr>
-              <a:t>23</a:t>
+              <a:t>25th March 2026, 12 NOON</a:t>
             </a:r>
-            <a:r>
-              <a:rPr lang="en-GB" sz="4400" b="1" baseline="30000" dirty="0">
-                <a:solidFill>
-                  <a:srgbClr val="FF0000"/>
-                </a:solidFill>
-                <a:latin typeface="Calibri" panose="020F0502020204030204" pitchFamily="34" charset="0"/>
-                <a:cs typeface="Calibri" panose="020F0502020204030204" pitchFamily="34" charset="0"/>
-              </a:rPr>
-              <a:t>rd</a:t>
-            </a:r>
-            <a:r>
-              <a:rPr lang="en-GB" sz="4400" b="1" dirty="0">
-                <a:solidFill>
-                  <a:srgbClr val="FF0000"/>
-                </a:solidFill>
-                <a:latin typeface="Calibri" panose="020F0502020204030204" pitchFamily="34" charset="0"/>
-                <a:cs typeface="Calibri" panose="020F0502020204030204" pitchFamily="34" charset="0"/>
-              </a:rPr>
-              <a:t> May 2025 12 NOON</a:t>
-            </a:r>
-          </a:p>
-        </p:txBody>
-      </p:sp>
-      <p:sp>
-        <p:nvSpPr>
-          <p:cNvPr id="4" name="TextBox 3">
-            <a:extLst>
-              <a:ext uri="{FF2B5EF4-FFF2-40B4-BE49-F238E27FC236}">
-                <a16:creationId xmlns:a16="http://schemas.microsoft.com/office/drawing/2014/main" id="{95FF04BF-D5D2-4185-BFC2-230572D22C48}"/>
-              </a:ext>
-            </a:extLst>
-          </p:cNvPr>
-          <p:cNvSpPr txBox="1"/>
-          <p:nvPr/>
-        </p:nvSpPr>
-        <p:spPr>
-          <a:xfrm>
-            <a:off x="205273" y="5327818"/>
-            <a:ext cx="11478727" cy="1200329"/>
-          </a:xfrm>
-          <a:prstGeom prst="rect">
-            <a:avLst/>
-          </a:prstGeom>
-          <a:noFill/>
-        </p:spPr>
-        <p:txBody>
-          <a:bodyPr wrap="square" rtlCol="0">
-            <a:spAutoFit/>
-          </a:bodyPr>
-          <a:lstStyle/>
-          <a:p>
-            <a:pPr>
-              <a:spcAft>
-                <a:spcPts val="1000"/>
-              </a:spcAft>
-            </a:pPr>
-            <a:r>
-              <a:rPr lang="en-GB" sz="2400" b="1" dirty="0">
-                <a:solidFill>
-                  <a:srgbClr val="6AA84F"/>
-                </a:solidFill>
-                <a:latin typeface="Calibri" panose="020F0502020204030204" pitchFamily="34" charset="0"/>
-                <a:cs typeface="Calibri" panose="020F0502020204030204" pitchFamily="34" charset="0"/>
-              </a:rPr>
-              <a:t>Please be aware that as this deadline is so late in the academic year there will be no representation opportunity.  If you fail this assessment your next opportunity to take the assessment will be in August 2024</a:t>
-            </a:r>
-            <a:endParaRPr lang="en-GB" sz="2400" dirty="0">
-              <a:latin typeface="Calibri" panose="020F0502020204030204" pitchFamily="34" charset="0"/>
-              <a:cs typeface="Calibri" panose="020F0502020204030204" pitchFamily="34" charset="0"/>
-            </a:endParaRPr>
           </a:p>
         </p:txBody>
       </p:sp>
